--- a/RIA/doc/Esercizio 3 – RIA version.pptx
+++ b/RIA/doc/Esercizio 3 – RIA version.pptx
@@ -5632,10 +5632,10 @@
       </p:sp>
       <p:pic>
         <p:nvPicPr>
-          <p:cNvPr id="5" name="Segnaposto contenuto 4" descr="Immagine che contiene testo, linea, Diagramma, schermata&#10;&#10;Descrizione generata automaticamente">
-            <a:extLst>
-              <a:ext uri="{FF2B5EF4-FFF2-40B4-BE49-F238E27FC236}">
-                <a16:creationId xmlns:a16="http://schemas.microsoft.com/office/drawing/2014/main" id="{23FEBD0B-F8B8-B6B1-286D-BD691FABF9C4}"/>
+          <p:cNvPr id="7" name="Segnaposto contenuto 6" descr="Immagine che contiene testo, schermata, numero, linea&#10;&#10;Descrizione generata automaticamente">
+            <a:extLst>
+              <a:ext uri="{FF2B5EF4-FFF2-40B4-BE49-F238E27FC236}">
+                <a16:creationId xmlns:a16="http://schemas.microsoft.com/office/drawing/2014/main" id="{428DF788-EFF4-D1B4-B6B0-B717919AEB60}"/>
               </a:ext>
             </a:extLst>
           </p:cNvPr>
@@ -5648,13 +5648,13 @@
         </p:nvPicPr>
         <p:blipFill rotWithShape="1">
           <a:blip r:embed="rId2"/>
-          <a:srcRect b="44108"/>
+          <a:srcRect b="66460"/>
           <a:stretch/>
         </p:blipFill>
         <p:spPr>
           <a:xfrm>
-            <a:off x="855162" y="2212975"/>
-            <a:ext cx="10481676" cy="2432050"/>
+            <a:off x="838200" y="1690688"/>
+            <a:ext cx="10632853" cy="2475443"/>
           </a:xfrm>
         </p:spPr>
       </p:pic>

--- a/RIA/doc/Esercizio 3 – RIA version.pptx
+++ b/RIA/doc/Esercizio 3 – RIA version.pptx
@@ -276,7 +276,7 @@
           <a:p>
             <a:fld id="{A84E5763-8D20-5341-ABAB-308C2F8AE6D0}" type="datetimeFigureOut">
               <a:rPr lang="it-IT" smtClean="0"/>
-              <a:t>12/05/23</a:t>
+              <a:t>14/05/23</a:t>
             </a:fld>
             <a:endParaRPr lang="it-IT"/>
           </a:p>
@@ -474,7 +474,7 @@
           <a:p>
             <a:fld id="{A84E5763-8D20-5341-ABAB-308C2F8AE6D0}" type="datetimeFigureOut">
               <a:rPr lang="it-IT" smtClean="0"/>
-              <a:t>12/05/23</a:t>
+              <a:t>14/05/23</a:t>
             </a:fld>
             <a:endParaRPr lang="it-IT"/>
           </a:p>
@@ -682,7 +682,7 @@
           <a:p>
             <a:fld id="{A84E5763-8D20-5341-ABAB-308C2F8AE6D0}" type="datetimeFigureOut">
               <a:rPr lang="it-IT" smtClean="0"/>
-              <a:t>12/05/23</a:t>
+              <a:t>14/05/23</a:t>
             </a:fld>
             <a:endParaRPr lang="it-IT"/>
           </a:p>
@@ -880,7 +880,7 @@
           <a:p>
             <a:fld id="{A84E5763-8D20-5341-ABAB-308C2F8AE6D0}" type="datetimeFigureOut">
               <a:rPr lang="it-IT" smtClean="0"/>
-              <a:t>12/05/23</a:t>
+              <a:t>14/05/23</a:t>
             </a:fld>
             <a:endParaRPr lang="it-IT"/>
           </a:p>
@@ -1155,7 +1155,7 @@
           <a:p>
             <a:fld id="{A84E5763-8D20-5341-ABAB-308C2F8AE6D0}" type="datetimeFigureOut">
               <a:rPr lang="it-IT" smtClean="0"/>
-              <a:t>12/05/23</a:t>
+              <a:t>14/05/23</a:t>
             </a:fld>
             <a:endParaRPr lang="it-IT"/>
           </a:p>
@@ -1420,7 +1420,7 @@
           <a:p>
             <a:fld id="{A84E5763-8D20-5341-ABAB-308C2F8AE6D0}" type="datetimeFigureOut">
               <a:rPr lang="it-IT" smtClean="0"/>
-              <a:t>12/05/23</a:t>
+              <a:t>14/05/23</a:t>
             </a:fld>
             <a:endParaRPr lang="it-IT"/>
           </a:p>
@@ -1832,7 +1832,7 @@
           <a:p>
             <a:fld id="{A84E5763-8D20-5341-ABAB-308C2F8AE6D0}" type="datetimeFigureOut">
               <a:rPr lang="it-IT" smtClean="0"/>
-              <a:t>12/05/23</a:t>
+              <a:t>14/05/23</a:t>
             </a:fld>
             <a:endParaRPr lang="it-IT"/>
           </a:p>
@@ -1973,7 +1973,7 @@
           <a:p>
             <a:fld id="{A84E5763-8D20-5341-ABAB-308C2F8AE6D0}" type="datetimeFigureOut">
               <a:rPr lang="it-IT" smtClean="0"/>
-              <a:t>12/05/23</a:t>
+              <a:t>14/05/23</a:t>
             </a:fld>
             <a:endParaRPr lang="it-IT"/>
           </a:p>
@@ -2086,7 +2086,7 @@
           <a:p>
             <a:fld id="{A84E5763-8D20-5341-ABAB-308C2F8AE6D0}" type="datetimeFigureOut">
               <a:rPr lang="it-IT" smtClean="0"/>
-              <a:t>12/05/23</a:t>
+              <a:t>14/05/23</a:t>
             </a:fld>
             <a:endParaRPr lang="it-IT"/>
           </a:p>
@@ -2397,7 +2397,7 @@
           <a:p>
             <a:fld id="{A84E5763-8D20-5341-ABAB-308C2F8AE6D0}" type="datetimeFigureOut">
               <a:rPr lang="it-IT" smtClean="0"/>
-              <a:t>12/05/23</a:t>
+              <a:t>14/05/23</a:t>
             </a:fld>
             <a:endParaRPr lang="it-IT"/>
           </a:p>
@@ -2685,7 +2685,7 @@
           <a:p>
             <a:fld id="{A84E5763-8D20-5341-ABAB-308C2F8AE6D0}" type="datetimeFigureOut">
               <a:rPr lang="it-IT" smtClean="0"/>
-              <a:t>12/05/23</a:t>
+              <a:t>14/05/23</a:t>
             </a:fld>
             <a:endParaRPr lang="it-IT"/>
           </a:p>
@@ -2926,7 +2926,7 @@
           <a:p>
             <a:fld id="{A84E5763-8D20-5341-ABAB-308C2F8AE6D0}" type="datetimeFigureOut">
               <a:rPr lang="it-IT" smtClean="0"/>
-              <a:t>12/05/23</a:t>
+              <a:t>14/05/23</a:t>
             </a:fld>
             <a:endParaRPr lang="it-IT"/>
           </a:p>
@@ -5091,10 +5091,10 @@
       </p:pic>
       <p:pic>
         <p:nvPicPr>
-          <p:cNvPr id="12" name="Segnaposto contenuto 11" descr="Immagine che contiene testo, ricevuta, linea, schermata&#10;&#10;Descrizione generata automaticamente">
-            <a:extLst>
-              <a:ext uri="{FF2B5EF4-FFF2-40B4-BE49-F238E27FC236}">
-                <a16:creationId xmlns:a16="http://schemas.microsoft.com/office/drawing/2014/main" id="{A4F80E1C-216B-0491-4094-754066C3635E}"/>
+          <p:cNvPr id="7" name="Segnaposto contenuto 6" descr="Immagine che contiene testo, ricevuta, linea&#10;&#10;Descrizione generata automaticamente">
+            <a:extLst>
+              <a:ext uri="{FF2B5EF4-FFF2-40B4-BE49-F238E27FC236}">
+                <a16:creationId xmlns:a16="http://schemas.microsoft.com/office/drawing/2014/main" id="{A4B94019-9FFB-D798-12E3-6AA321F5FD8F}"/>
               </a:ext>
             </a:extLst>
           </p:cNvPr>
@@ -5113,8 +5113,8 @@
         </p:blipFill>
         <p:spPr>
           <a:xfrm>
-            <a:off x="867376" y="1825625"/>
-            <a:ext cx="10457247" cy="4351338"/>
+            <a:off x="978461" y="1825625"/>
+            <a:ext cx="10235078" cy="4351338"/>
           </a:xfrm>
         </p:spPr>
       </p:pic>
@@ -5179,10 +5179,10 @@
       </p:sp>
       <p:pic>
         <p:nvPicPr>
-          <p:cNvPr id="10" name="Segnaposto contenuto 9">
-            <a:extLst>
-              <a:ext uri="{FF2B5EF4-FFF2-40B4-BE49-F238E27FC236}">
-                <a16:creationId xmlns:a16="http://schemas.microsoft.com/office/drawing/2014/main" id="{BF994734-E563-2C00-B50B-51FBBAA64668}"/>
+          <p:cNvPr id="6" name="Segnaposto contenuto 5" descr="Immagine che contiene testo, linea, diagramma, ricevuta&#10;&#10;Descrizione generata automaticamente">
+            <a:extLst>
+              <a:ext uri="{FF2B5EF4-FFF2-40B4-BE49-F238E27FC236}">
+                <a16:creationId xmlns:a16="http://schemas.microsoft.com/office/drawing/2014/main" id="{67364047-CF2D-278F-1522-FCEE6B8AA34E}"/>
               </a:ext>
             </a:extLst>
           </p:cNvPr>
@@ -5271,10 +5271,10 @@
       </p:sp>
       <p:pic>
         <p:nvPicPr>
-          <p:cNvPr id="5" name="Segnaposto contenuto 4" descr="Immagine che contiene testo, schermata, linea, Carattere&#10;&#10;Descrizione generata automaticamente">
-            <a:extLst>
-              <a:ext uri="{FF2B5EF4-FFF2-40B4-BE49-F238E27FC236}">
-                <a16:creationId xmlns:a16="http://schemas.microsoft.com/office/drawing/2014/main" id="{0E5FCF97-CCFD-F46B-925C-41BED4C2E102}"/>
+          <p:cNvPr id="7" name="Segnaposto contenuto 6" descr="Immagine che contiene testo, schermata, linea, Carattere&#10;&#10;Descrizione generata automaticamente">
+            <a:extLst>
+              <a:ext uri="{FF2B5EF4-FFF2-40B4-BE49-F238E27FC236}">
+                <a16:creationId xmlns:a16="http://schemas.microsoft.com/office/drawing/2014/main" id="{E83EF865-8602-7241-EC46-6417D2853EC3}"/>
               </a:ext>
             </a:extLst>
           </p:cNvPr>
@@ -5285,16 +5285,15 @@
             <p:ph idx="1"/>
           </p:nvPr>
         </p:nvPicPr>
-        <p:blipFill>
+        <p:blipFill rotWithShape="1">
           <a:blip r:embed="rId2"/>
-          <a:stretch>
-            <a:fillRect/>
-          </a:stretch>
+          <a:srcRect b="26568"/>
+          <a:stretch/>
         </p:blipFill>
         <p:spPr>
           <a:xfrm>
-            <a:off x="2493926" y="1825625"/>
-            <a:ext cx="7204148" cy="4351338"/>
+            <a:off x="1613043" y="1761663"/>
+            <a:ext cx="8965913" cy="3976659"/>
           </a:xfrm>
         </p:spPr>
       </p:pic>
@@ -5546,10 +5545,10 @@
       </p:sp>
       <p:pic>
         <p:nvPicPr>
-          <p:cNvPr id="5" name="Segnaposto contenuto 4" descr="Immagine che contiene testo, schermata, diagramma, Parallelo&#10;&#10;Descrizione generata automaticamente">
-            <a:extLst>
-              <a:ext uri="{FF2B5EF4-FFF2-40B4-BE49-F238E27FC236}">
-                <a16:creationId xmlns:a16="http://schemas.microsoft.com/office/drawing/2014/main" id="{51B51E34-0B69-9486-9057-A14F32E16888}"/>
+          <p:cNvPr id="7" name="Segnaposto contenuto 6" descr="Immagine che contiene testo, schermata, diagramma, Parallelo&#10;&#10;Descrizione generata automaticamente">
+            <a:extLst>
+              <a:ext uri="{FF2B5EF4-FFF2-40B4-BE49-F238E27FC236}">
+                <a16:creationId xmlns:a16="http://schemas.microsoft.com/office/drawing/2014/main" id="{5C4F3ACE-70ED-6606-65A8-75DC9071A18C}"/>
               </a:ext>
             </a:extLst>
           </p:cNvPr>
@@ -5562,13 +5561,13 @@
         </p:nvPicPr>
         <p:blipFill rotWithShape="1">
           <a:blip r:embed="rId2"/>
-          <a:srcRect b="39511"/>
+          <a:srcRect b="28478"/>
           <a:stretch/>
         </p:blipFill>
         <p:spPr>
           <a:xfrm>
-            <a:off x="2815375" y="1819275"/>
-            <a:ext cx="6561250" cy="4802187"/>
+            <a:off x="3279683" y="1618442"/>
+            <a:ext cx="5632633" cy="4874433"/>
           </a:xfrm>
         </p:spPr>
       </p:pic>
@@ -5632,10 +5631,10 @@
       </p:sp>
       <p:pic>
         <p:nvPicPr>
-          <p:cNvPr id="7" name="Segnaposto contenuto 6" descr="Immagine che contiene testo, schermata, numero, linea&#10;&#10;Descrizione generata automaticamente">
-            <a:extLst>
-              <a:ext uri="{FF2B5EF4-FFF2-40B4-BE49-F238E27FC236}">
-                <a16:creationId xmlns:a16="http://schemas.microsoft.com/office/drawing/2014/main" id="{428DF788-EFF4-D1B4-B6B0-B717919AEB60}"/>
+          <p:cNvPr id="6" name="Segnaposto contenuto 5" descr="Immagine che contiene testo, schermata, numero, linea&#10;&#10;Descrizione generata automaticamente">
+            <a:extLst>
+              <a:ext uri="{FF2B5EF4-FFF2-40B4-BE49-F238E27FC236}">
+                <a16:creationId xmlns:a16="http://schemas.microsoft.com/office/drawing/2014/main" id="{F730305C-547A-2DA8-92C2-E7452C9DF2F8}"/>
               </a:ext>
             </a:extLst>
           </p:cNvPr>
@@ -5648,13 +5647,13 @@
         </p:nvPicPr>
         <p:blipFill rotWithShape="1">
           <a:blip r:embed="rId2"/>
-          <a:srcRect b="66460"/>
+          <a:srcRect b="57899"/>
           <a:stretch/>
         </p:blipFill>
         <p:spPr>
           <a:xfrm>
-            <a:off x="838200" y="1690688"/>
-            <a:ext cx="10632853" cy="2475443"/>
+            <a:off x="1165168" y="2221098"/>
+            <a:ext cx="9861663" cy="2881947"/>
           </a:xfrm>
         </p:spPr>
       </p:pic>
@@ -6816,22 +6815,7 @@
                 <a:effectLst/>
                 <a:latin typeface="Calibri" panose="020F0502020204030204" pitchFamily="34" charset="0"/>
               </a:rPr>
-              <a:t> a </a:t>
-            </a:r>
-            <a:endParaRPr lang="it-IT" dirty="0">
-              <a:effectLst/>
-            </a:endParaRPr>
-          </a:p>
-          <a:p>
-            <a:pPr marL="0" indent="0">
-              <a:buNone/>
-            </a:pPr>
-            <a:r>
-              <a:rPr lang="it-IT" sz="1800" dirty="0">
-                <a:effectLst/>
-                <a:latin typeface="Calibri" panose="020F0502020204030204" pitchFamily="34" charset="0"/>
-              </a:rPr>
-              <a:t>lato server della tassonomia modificata. </a:t>
+              <a:t> a lato server della tassonomia modificata. </a:t>
             </a:r>
             <a:endParaRPr lang="it-IT" dirty="0">
               <a:effectLst/>
@@ -6886,7 +6870,43 @@
                 <a:effectLst/>
                 <a:latin typeface="Calibri" panose="020F0502020204030204" pitchFamily="34" charset="0"/>
               </a:rPr>
-              <a:t>sul nome di una categoria. A seguito di tale evento compare al posto del nome un campo di input contente la stringa del nome modificabile. L’evento di perdita del focus del campo di input produce il </a:t>
+              <a:t>sul nome di una categoria. A seguito di tale evento compare al posto del nome un </a:t>
+            </a:r>
+            <a:r>
+              <a:rPr lang="it-IT" sz="1800" dirty="0">
+                <a:solidFill>
+                  <a:srgbClr val="00B050"/>
+                </a:solidFill>
+                <a:effectLst/>
+                <a:latin typeface="Calibri" panose="020F0502020204030204" pitchFamily="34" charset="0"/>
+              </a:rPr>
+              <a:t>campo di input </a:t>
+            </a:r>
+            <a:r>
+              <a:rPr lang="it-IT" sz="1800" dirty="0">
+                <a:effectLst/>
+                <a:latin typeface="Calibri" panose="020F0502020204030204" pitchFamily="34" charset="0"/>
+              </a:rPr>
+              <a:t>contente la stringa del nome modificabile. L’evento di perdita del </a:t>
+            </a:r>
+            <a:r>
+              <a:rPr lang="it-IT" sz="1800" dirty="0">
+                <a:solidFill>
+                  <a:schemeClr val="accent5">
+                    <a:lumMod val="75000"/>
+                  </a:schemeClr>
+                </a:solidFill>
+                <a:effectLst/>
+                <a:latin typeface="Calibri" panose="020F0502020204030204" pitchFamily="34" charset="0"/>
+              </a:rPr>
+              <a:t>focus</a:t>
+            </a:r>
+            <a:r>
+              <a:rPr lang="it-IT" sz="1800" dirty="0">
+                <a:effectLst/>
+                <a:latin typeface="Calibri" panose="020F0502020204030204" pitchFamily="34" charset="0"/>
+              </a:rPr>
+              <a:t> del campo di input produce il </a:t>
             </a:r>
             <a:r>
               <a:rPr lang="it-IT" sz="1800" dirty="0">
@@ -7228,10 +7248,18 @@
             <a:r>
               <a:rPr lang="it-IT" dirty="0">
                 <a:solidFill>
+                  <a:srgbClr val="00B050"/>
+                </a:solidFill>
+              </a:rPr>
+              <a:t>bottone</a:t>
+            </a:r>
+            <a:r>
+              <a:rPr lang="it-IT" dirty="0">
+                <a:solidFill>
                   <a:schemeClr val="accent6"/>
                 </a:solidFill>
               </a:rPr>
-              <a:t>bottone </a:t>
+              <a:t> </a:t>
             </a:r>
             <a:r>
               <a:rPr lang="it-IT" dirty="0"/>
